--- a/docs/diagrams/OrderSequenceDiagram.pptx
+++ b/docs/diagrams/OrderSequenceDiagram.pptx
@@ -3609,7 +3609,7 @@
         </p:nvSpPr>
         <p:spPr>
           <a:xfrm>
-            <a:off x="2361693" y="2209800"/>
+            <a:off x="2361693" y="2402745"/>
             <a:ext cx="152907" cy="2702655"/>
           </a:xfrm>
           <a:prstGeom prst="rect">
@@ -3851,9 +3851,9 @@
           <p:nvPr/>
         </p:nvCxnSpPr>
         <p:spPr>
-          <a:xfrm flipV="1">
-            <a:off x="520568" y="2081218"/>
-            <a:ext cx="1100566" cy="18249"/>
+          <a:xfrm>
+            <a:off x="565099" y="2514600"/>
+            <a:ext cx="1796594" cy="6178"/>
           </a:xfrm>
           <a:prstGeom prst="straightConnector1">
             <a:avLst/>
@@ -3888,7 +3888,7 @@
         </p:nvSpPr>
         <p:spPr>
           <a:xfrm>
-            <a:off x="520569" y="1662998"/>
+            <a:off x="523220" y="2083723"/>
             <a:ext cx="1100566" cy="369332"/>
           </a:xfrm>
           <a:prstGeom prst="rect">
@@ -3908,7 +3908,7 @@
                   <a:srgbClr val="0070C0"/>
                 </a:solidFill>
               </a:rPr>
-              <a:t>OrderCommand (orderParameter)</a:t>
+              <a:t>executeUndoableCommand ()</a:t>
             </a:r>
             <a:endParaRPr lang="en-US" sz="1200" dirty="0">
               <a:solidFill>
@@ -3962,7 +3962,7 @@
         </p:nvCxnSpPr>
         <p:spPr>
           <a:xfrm>
-            <a:off x="990600" y="4800600"/>
+            <a:off x="990600" y="5029200"/>
             <a:ext cx="1371093" cy="0"/>
           </a:xfrm>
           <a:prstGeom prst="straightConnector1">
@@ -4056,7 +4056,7 @@
           <p:cNvPr id="67" name="Straight Arrow Connector 66">
             <a:extLst>
               <a:ext uri="{FF2B5EF4-FFF2-40B4-BE49-F238E27FC236}">
-                <a16:creationId xmlns:a16="http://schemas.microsoft.com/office/drawing/2014/main" xmlns="" id="{D881596E-177C-4FDC-8E60-CAB90B3D5FAB}"/>
+                <a16:creationId xmlns="" xmlns:a16="http://schemas.microsoft.com/office/drawing/2014/main" id="{D881596E-177C-4FDC-8E60-CAB90B3D5FAB}"/>
               </a:ext>
             </a:extLst>
           </p:cNvPr>
@@ -4481,7 +4481,7 @@
         </p:nvSpPr>
         <p:spPr>
           <a:xfrm>
-            <a:off x="1536492" y="4586521"/>
+            <a:off x="1536492" y="4815121"/>
             <a:ext cx="455705" cy="184666"/>
           </a:xfrm>
           <a:prstGeom prst="rect">

--- a/docs/diagrams/OrderSequenceDiagram.pptx
+++ b/docs/diagrams/OrderSequenceDiagram.pptx
@@ -208,7 +208,7 @@
           <a:p>
             <a:fld id="{F5CC4B3F-88C1-4FFA-B1B6-F41C21DC6924}" type="datetimeFigureOut">
               <a:rPr lang="en-US" smtClean="0"/>
-              <a:t>11/11/17</a:t>
+              <a:t>11/13/17</a:t>
             </a:fld>
             <a:endParaRPr lang="en-US"/>
           </a:p>
@@ -654,7 +654,7 @@
           <a:p>
             <a:fld id="{78C97017-6FC3-485B-9764-EAC9E56C1D49}" type="datetimeFigureOut">
               <a:rPr lang="en-US" smtClean="0"/>
-              <a:t>11/11/17</a:t>
+              <a:t>11/13/17</a:t>
             </a:fld>
             <a:endParaRPr lang="en-US"/>
           </a:p>
@@ -822,7 +822,7 @@
           <a:p>
             <a:fld id="{78C97017-6FC3-485B-9764-EAC9E56C1D49}" type="datetimeFigureOut">
               <a:rPr lang="en-US" smtClean="0"/>
-              <a:t>11/11/17</a:t>
+              <a:t>11/13/17</a:t>
             </a:fld>
             <a:endParaRPr lang="en-US"/>
           </a:p>
@@ -1000,7 +1000,7 @@
           <a:p>
             <a:fld id="{78C97017-6FC3-485B-9764-EAC9E56C1D49}" type="datetimeFigureOut">
               <a:rPr lang="en-US" smtClean="0"/>
-              <a:t>11/11/17</a:t>
+              <a:t>11/13/17</a:t>
             </a:fld>
             <a:endParaRPr lang="en-US"/>
           </a:p>
@@ -1168,7 +1168,7 @@
           <a:p>
             <a:fld id="{78C97017-6FC3-485B-9764-EAC9E56C1D49}" type="datetimeFigureOut">
               <a:rPr lang="en-US" smtClean="0"/>
-              <a:t>11/11/17</a:t>
+              <a:t>11/13/17</a:t>
             </a:fld>
             <a:endParaRPr lang="en-US"/>
           </a:p>
@@ -1413,7 +1413,7 @@
           <a:p>
             <a:fld id="{78C97017-6FC3-485B-9764-EAC9E56C1D49}" type="datetimeFigureOut">
               <a:rPr lang="en-US" smtClean="0"/>
-              <a:t>11/11/17</a:t>
+              <a:t>11/13/17</a:t>
             </a:fld>
             <a:endParaRPr lang="en-US"/>
           </a:p>
@@ -1698,7 +1698,7 @@
           <a:p>
             <a:fld id="{78C97017-6FC3-485B-9764-EAC9E56C1D49}" type="datetimeFigureOut">
               <a:rPr lang="en-US" smtClean="0"/>
-              <a:t>11/11/17</a:t>
+              <a:t>11/13/17</a:t>
             </a:fld>
             <a:endParaRPr lang="en-US"/>
           </a:p>
@@ -2117,7 +2117,7 @@
           <a:p>
             <a:fld id="{78C97017-6FC3-485B-9764-EAC9E56C1D49}" type="datetimeFigureOut">
               <a:rPr lang="en-US" smtClean="0"/>
-              <a:t>11/11/17</a:t>
+              <a:t>11/13/17</a:t>
             </a:fld>
             <a:endParaRPr lang="en-US"/>
           </a:p>
@@ -2234,7 +2234,7 @@
           <a:p>
             <a:fld id="{78C97017-6FC3-485B-9764-EAC9E56C1D49}" type="datetimeFigureOut">
               <a:rPr lang="en-US" smtClean="0"/>
-              <a:t>11/11/17</a:t>
+              <a:t>11/13/17</a:t>
             </a:fld>
             <a:endParaRPr lang="en-US"/>
           </a:p>
@@ -2329,7 +2329,7 @@
           <a:p>
             <a:fld id="{78C97017-6FC3-485B-9764-EAC9E56C1D49}" type="datetimeFigureOut">
               <a:rPr lang="en-US" smtClean="0"/>
-              <a:t>11/11/17</a:t>
+              <a:t>11/13/17</a:t>
             </a:fld>
             <a:endParaRPr lang="en-US"/>
           </a:p>
@@ -2604,7 +2604,7 @@
           <a:p>
             <a:fld id="{78C97017-6FC3-485B-9764-EAC9E56C1D49}" type="datetimeFigureOut">
               <a:rPr lang="en-US" smtClean="0"/>
-              <a:t>11/11/17</a:t>
+              <a:t>11/13/17</a:t>
             </a:fld>
             <a:endParaRPr lang="en-US"/>
           </a:p>
@@ -2856,7 +2856,7 @@
           <a:p>
             <a:fld id="{78C97017-6FC3-485B-9764-EAC9E56C1D49}" type="datetimeFigureOut">
               <a:rPr lang="en-US" smtClean="0"/>
-              <a:t>11/11/17</a:t>
+              <a:t>11/13/17</a:t>
             </a:fld>
             <a:endParaRPr lang="en-US"/>
           </a:p>
@@ -3067,7 +3067,7 @@
           <a:p>
             <a:fld id="{78C97017-6FC3-485B-9764-EAC9E56C1D49}" type="datetimeFigureOut">
               <a:rPr lang="en-US" smtClean="0"/>
-              <a:t>11/11/17</a:t>
+              <a:t>11/13/17</a:t>
             </a:fld>
             <a:endParaRPr lang="en-US"/>
           </a:p>
@@ -4056,7 +4056,7 @@
           <p:cNvPr id="67" name="Straight Arrow Connector 66">
             <a:extLst>
               <a:ext uri="{FF2B5EF4-FFF2-40B4-BE49-F238E27FC236}">
-                <a16:creationId xmlns="" xmlns:a16="http://schemas.microsoft.com/office/drawing/2014/main" id="{D881596E-177C-4FDC-8E60-CAB90B3D5FAB}"/>
+                <a16:creationId xmlns:a16="http://schemas.microsoft.com/office/drawing/2014/main" xmlns="" id="{D881596E-177C-4FDC-8E60-CAB90B3D5FAB}"/>
               </a:ext>
             </a:extLst>
           </p:cNvPr>
@@ -4399,8 +4399,8 @@
         </p:nvSpPr>
         <p:spPr>
           <a:xfrm>
-            <a:off x="6304642" y="3486658"/>
-            <a:ext cx="1159270" cy="184666"/>
+            <a:off x="6186984" y="3317784"/>
+            <a:ext cx="1159270" cy="369332"/>
           </a:xfrm>
           <a:prstGeom prst="rect">
             <a:avLst/>
@@ -4419,7 +4419,25 @@
                   <a:srgbClr val="0070C0"/>
                 </a:solidFill>
               </a:rPr>
-              <a:t>orderBy(paramter)</a:t>
+              <a:t>orderPersonList</a:t>
+            </a:r>
+          </a:p>
+          <a:p>
+            <a:r>
+              <a:rPr lang="en-US" sz="1200" dirty="0" smtClean="0">
+                <a:solidFill>
+                  <a:srgbClr val="0070C0"/>
+                </a:solidFill>
+              </a:rPr>
+              <a:t>(parameter</a:t>
+            </a:r>
+            <a:r>
+              <a:rPr lang="en-US" sz="1200" dirty="0" smtClean="0">
+                <a:solidFill>
+                  <a:srgbClr val="0070C0"/>
+                </a:solidFill>
+              </a:rPr>
+              <a:t>)</a:t>
             </a:r>
             <a:endParaRPr lang="en-US" sz="1200" dirty="0">
               <a:solidFill>
